--- a/project-1-image-processing/assignment.pptx
+++ b/project-1-image-processing/assignment.pptx
@@ -5,14 +5,15 @@
     <p:sldMasterId id="2147483657" r:id="rId1"/>
   </p:sldMasterIdLst>
   <p:notesMasterIdLst>
-    <p:notesMasterId r:id="rId4"/>
+    <p:notesMasterId r:id="rId5"/>
   </p:notesMasterIdLst>
   <p:handoutMasterIdLst>
-    <p:handoutMasterId r:id="rId5"/>
+    <p:handoutMasterId r:id="rId6"/>
   </p:handoutMasterIdLst>
   <p:sldIdLst>
     <p:sldId id="256" r:id="rId2"/>
     <p:sldId id="257" r:id="rId3"/>
+    <p:sldId id="258" r:id="rId4"/>
   </p:sldIdLst>
   <p:sldSz cx="12192000" cy="6858000"/>
   <p:notesSz cx="6858000" cy="9144000"/>
@@ -258,7 +259,7 @@
             <a:fld id="{06D9E013-8294-8E41-B34E-59DC00A02C54}" type="datetime1">
               <a:rPr lang="en-US" altLang="en-US"/>
               <a:pPr/>
-              <a:t>3/18/24</a:t>
+              <a:t>3/20/24</a:t>
             </a:fld>
             <a:endParaRPr lang="en-US" altLang="en-US"/>
           </a:p>
@@ -452,7 +453,7 @@
             <a:fld id="{B1F8D83A-2F90-D84C-96C3-0075E2BF3C12}" type="datetime1">
               <a:rPr lang="en-US" altLang="en-US"/>
               <a:pPr/>
-              <a:t>3/18/24</a:t>
+              <a:t>3/20/24</a:t>
             </a:fld>
             <a:endParaRPr lang="en-US" altLang="en-US"/>
           </a:p>
@@ -1649,14 +1650,14 @@
           </a:ln>
           <a:extLst>
             <a:ext uri="{909E8E84-426E-40dd-AFC4-6F175D3DCCD1}">
-              <a14:hiddenFill xmlns:a14="http://schemas.microsoft.com/office/drawing/2010/main" xmlns="">
+              <a14:hiddenFill xmlns="" xmlns:a14="http://schemas.microsoft.com/office/drawing/2010/main">
                 <a:solidFill>
                   <a:srgbClr val="FFFFFF"/>
                 </a:solidFill>
               </a14:hiddenFill>
             </a:ext>
             <a:ext uri="{91240B29-F687-4f45-9708-019B960494DF}">
-              <a14:hiddenLine xmlns:a14="http://schemas.microsoft.com/office/drawing/2010/main" xmlns="" w="9525">
+              <a14:hiddenLine xmlns="" xmlns:a14="http://schemas.microsoft.com/office/drawing/2010/main" w="9525">
                 <a:solidFill>
                   <a:srgbClr val="000000"/>
                 </a:solidFill>
@@ -1709,7 +1710,7 @@
               </a14:hiddenLine>
             </a:ext>
             <a:ext uri="{FAA26D3D-D897-4be2-8F04-BA451C77F1D7}">
-              <ma14:placeholderFlag xmlns:ma14="http://schemas.microsoft.com/office/mac/drawingml/2011/main" xmlns="" val="1"/>
+              <ma14:placeholderFlag xmlns="" xmlns:ma14="http://schemas.microsoft.com/office/mac/drawingml/2011/main" val="1"/>
             </a:ext>
           </a:extLst>
         </p:spPr>
@@ -1771,7 +1772,7 @@
               </a14:hiddenLine>
             </a:ext>
             <a:ext uri="{FAA26D3D-D897-4be2-8F04-BA451C77F1D7}">
-              <ma14:placeholderFlag xmlns:ma14="http://schemas.microsoft.com/office/mac/drawingml/2011/main" xmlns="" val="1"/>
+              <ma14:placeholderFlag xmlns="" xmlns:ma14="http://schemas.microsoft.com/office/mac/drawingml/2011/main" val="1"/>
             </a:ext>
           </a:extLst>
         </p:spPr>
@@ -2893,6 +2894,15 @@
             </a:r>
           </a:p>
           <a:p>
+            <a:endParaRPr lang="en-US" dirty="0"/>
+          </a:p>
+          <a:p>
+            <a:r>
+              <a:rPr lang="en-US" dirty="0"/>
+              <a:t>Prepare a short report (3 pages max) to describe the script.</a:t>
+            </a:r>
+          </a:p>
+          <a:p>
             <a:pPr lvl="1"/>
             <a:endParaRPr lang="en-US" dirty="0"/>
           </a:p>
@@ -2926,6 +2936,192 @@
     <p:extLst>
       <p:ext uri="{BB962C8B-B14F-4D97-AF65-F5344CB8AC3E}">
         <p14:creationId xmlns:p14="http://schemas.microsoft.com/office/powerpoint/2010/main" val="1172142441"/>
+      </p:ext>
+    </p:extLst>
+  </p:cSld>
+  <p:clrMapOvr>
+    <a:masterClrMapping/>
+  </p:clrMapOvr>
+</p:sld>
+</file>
+
+<file path=ppt/slides/slide3.xml><?xml version="1.0" encoding="utf-8"?>
+<p:sld xmlns:a="http://schemas.openxmlformats.org/drawingml/2006/main" xmlns:r="http://schemas.openxmlformats.org/officeDocument/2006/relationships" xmlns:p="http://schemas.openxmlformats.org/presentationml/2006/main">
+  <p:cSld>
+    <p:spTree>
+      <p:nvGrpSpPr>
+        <p:cNvPr id="1" name=""/>
+        <p:cNvGrpSpPr/>
+        <p:nvPr/>
+      </p:nvGrpSpPr>
+      <p:grpSpPr>
+        <a:xfrm>
+          <a:off x="0" y="0"/>
+          <a:ext cx="0" cy="0"/>
+          <a:chOff x="0" y="0"/>
+          <a:chExt cx="0" cy="0"/>
+        </a:xfrm>
+      </p:grpSpPr>
+      <p:sp>
+        <p:nvSpPr>
+          <p:cNvPr id="2" name="Title 1">
+            <a:extLst>
+              <a:ext uri="{FF2B5EF4-FFF2-40B4-BE49-F238E27FC236}">
+                <a16:creationId xmlns:a16="http://schemas.microsoft.com/office/drawing/2014/main" id="{CEDFA096-9BA4-6B37-B3EF-D2A8CBC9E0C0}"/>
+              </a:ext>
+            </a:extLst>
+          </p:cNvPr>
+          <p:cNvSpPr>
+            <a:spLocks noGrp="1"/>
+          </p:cNvSpPr>
+          <p:nvPr>
+            <p:ph type="title"/>
+          </p:nvPr>
+        </p:nvSpPr>
+        <p:spPr/>
+        <p:txBody>
+          <a:bodyPr/>
+          <a:lstStyle/>
+          <a:p>
+            <a:r>
+              <a:rPr lang="en-US" dirty="0"/>
+              <a:t>Assignment upload</a:t>
+            </a:r>
+          </a:p>
+        </p:txBody>
+      </p:sp>
+      <p:sp>
+        <p:nvSpPr>
+          <p:cNvPr id="3" name="Content Placeholder 2">
+            <a:extLst>
+              <a:ext uri="{FF2B5EF4-FFF2-40B4-BE49-F238E27FC236}">
+                <a16:creationId xmlns:a16="http://schemas.microsoft.com/office/drawing/2014/main" id="{5E74185D-2992-F542-C028-6B99747E945E}"/>
+              </a:ext>
+            </a:extLst>
+          </p:cNvPr>
+          <p:cNvSpPr>
+            <a:spLocks noGrp="1"/>
+          </p:cNvSpPr>
+          <p:nvPr>
+            <p:ph idx="1"/>
+          </p:nvPr>
+        </p:nvSpPr>
+        <p:spPr/>
+        <p:txBody>
+          <a:bodyPr/>
+          <a:lstStyle/>
+          <a:p>
+            <a:pPr marL="0" indent="0">
+              <a:buNone/>
+            </a:pPr>
+            <a:endParaRPr lang="en-US" dirty="0"/>
+          </a:p>
+          <a:p>
+            <a:r>
+              <a:rPr lang="en-US" dirty="0"/>
+              <a:t>Are allowed groups of maximum two people.</a:t>
+            </a:r>
+          </a:p>
+          <a:p>
+            <a:endParaRPr lang="en-US" dirty="0"/>
+          </a:p>
+          <a:p>
+            <a:r>
+              <a:rPr lang="en-US" dirty="0"/>
+              <a:t>The assignment has to be delivered through the “</a:t>
+            </a:r>
+            <a:r>
+              <a:rPr lang="en-US" dirty="0" err="1"/>
+              <a:t>Portale</a:t>
+            </a:r>
+            <a:r>
+              <a:rPr lang="en-US" dirty="0"/>
+              <a:t> </a:t>
+            </a:r>
+            <a:r>
+              <a:rPr lang="en-US" dirty="0" err="1"/>
+              <a:t>della</a:t>
+            </a:r>
+            <a:r>
+              <a:rPr lang="en-US" dirty="0"/>
+              <a:t> </a:t>
+            </a:r>
+            <a:r>
+              <a:rPr lang="en-US" dirty="0" err="1"/>
+              <a:t>Didattica</a:t>
+            </a:r>
+            <a:r>
+              <a:rPr lang="en-US" dirty="0"/>
+              <a:t>” – “</a:t>
+            </a:r>
+            <a:r>
+              <a:rPr lang="en-US" dirty="0" err="1"/>
+              <a:t>Elaborati</a:t>
+            </a:r>
+            <a:r>
+              <a:rPr lang="en-US" dirty="0"/>
+              <a:t>”  section up to the end of the lectures (12/06/2024).</a:t>
+            </a:r>
+          </a:p>
+          <a:p>
+            <a:endParaRPr lang="en-US" dirty="0"/>
+          </a:p>
+          <a:p>
+            <a:r>
+              <a:rPr lang="en-US" dirty="0"/>
+              <a:t>In case of group of two people, only one member has to upload it in zip format. The zip archive has to include:</a:t>
+            </a:r>
+          </a:p>
+          <a:p>
+            <a:pPr lvl="1"/>
+            <a:r>
+              <a:rPr lang="en-US" dirty="0"/>
+              <a:t>the Python script </a:t>
+            </a:r>
+          </a:p>
+          <a:p>
+            <a:pPr lvl="1"/>
+            <a:r>
+              <a:rPr lang="en-US" dirty="0"/>
+              <a:t>the PDF file of the report.</a:t>
+            </a:r>
+          </a:p>
+        </p:txBody>
+      </p:sp>
+      <p:sp>
+        <p:nvSpPr>
+          <p:cNvPr id="4" name="Slide Number Placeholder 3">
+            <a:extLst>
+              <a:ext uri="{FF2B5EF4-FFF2-40B4-BE49-F238E27FC236}">
+                <a16:creationId xmlns:a16="http://schemas.microsoft.com/office/drawing/2014/main" id="{CCA63EDF-C1AE-4E41-0CE0-78DED961D9A8}"/>
+              </a:ext>
+            </a:extLst>
+          </p:cNvPr>
+          <p:cNvSpPr>
+            <a:spLocks noGrp="1"/>
+          </p:cNvSpPr>
+          <p:nvPr>
+            <p:ph type="sldNum" sz="quarter" idx="11"/>
+          </p:nvPr>
+        </p:nvSpPr>
+        <p:spPr/>
+        <p:txBody>
+          <a:bodyPr/>
+          <a:lstStyle/>
+          <a:p>
+            <a:fld id="{12844725-C4B6-574F-84BF-3F29BFAD6CC8}" type="slidenum">
+              <a:rPr lang="en-US" altLang="en-US" smtClean="0"/>
+              <a:pPr/>
+              <a:t>3</a:t>
+            </a:fld>
+            <a:endParaRPr lang="en-US" altLang="en-US" dirty="0"/>
+          </a:p>
+        </p:txBody>
+      </p:sp>
+    </p:spTree>
+    <p:extLst>
+      <p:ext uri="{BB962C8B-B14F-4D97-AF65-F5344CB8AC3E}">
+        <p14:creationId xmlns:p14="http://schemas.microsoft.com/office/powerpoint/2010/main" val="2400801639"/>
       </p:ext>
     </p:extLst>
   </p:cSld>
